--- a/Documentacion/Presentacion/FootballTrainingManagerPresentacion.pptx
+++ b/Documentacion/Presentacion/FootballTrainingManagerPresentacion.pptx
@@ -129,6 +129,13 @@
     <p:extLst>
       <p:ext uri="{19B8F6BF-5375-455C-9EA6-DF929625EA0E}">
         <p15:presenceInfo xmlns:p15="http://schemas.microsoft.com/office/powerpoint/2012/main" userId="Windows User" providerId="None"/>
+      </p:ext>
+    </p:extLst>
+  </p:cmAuthor>
+  <p:cmAuthor id="2" name="Dylan Adrián Soler Patiño" initials="DASP" lastIdx="1" clrIdx="1">
+    <p:extLst>
+      <p:ext uri="{19B8F6BF-5375-455C-9EA6-DF929625EA0E}">
+        <p15:presenceInfo xmlns:p15="http://schemas.microsoft.com/office/powerpoint/2012/main" userId="bc02f8a6dcd214e6" providerId="Windows Live"/>
       </p:ext>
     </p:extLst>
   </p:cmAuthor>
@@ -880,7 +887,7 @@
           <a:p>
             <a:fld id="{239C3938-9AD9-4AA6-ADCD-F63312CD24D9}" type="datetimeFigureOut">
               <a:rPr lang="es-ES" smtClean="0"/>
-              <a:t>14/06/2019</a:t>
+              <a:t>17/06/2019</a:t>
             </a:fld>
             <a:endParaRPr lang="es-ES"/>
           </a:p>
@@ -1131,7 +1138,7 @@
           <a:p>
             <a:fld id="{239C3938-9AD9-4AA6-ADCD-F63312CD24D9}" type="datetimeFigureOut">
               <a:rPr lang="es-ES" smtClean="0"/>
-              <a:t>14/06/2019</a:t>
+              <a:t>17/06/2019</a:t>
             </a:fld>
             <a:endParaRPr lang="es-ES"/>
           </a:p>
@@ -1445,7 +1452,7 @@
           <a:p>
             <a:fld id="{239C3938-9AD9-4AA6-ADCD-F63312CD24D9}" type="datetimeFigureOut">
               <a:rPr lang="es-ES" smtClean="0"/>
-              <a:t>14/06/2019</a:t>
+              <a:t>17/06/2019</a:t>
             </a:fld>
             <a:endParaRPr lang="es-ES"/>
           </a:p>
@@ -1778,7 +1785,7 @@
           <a:p>
             <a:fld id="{239C3938-9AD9-4AA6-ADCD-F63312CD24D9}" type="datetimeFigureOut">
               <a:rPr lang="es-ES" smtClean="0"/>
-              <a:t>14/06/2019</a:t>
+              <a:t>17/06/2019</a:t>
             </a:fld>
             <a:endParaRPr lang="es-ES"/>
           </a:p>
@@ -2092,7 +2099,7 @@
           <a:p>
             <a:fld id="{239C3938-9AD9-4AA6-ADCD-F63312CD24D9}" type="datetimeFigureOut">
               <a:rPr lang="es-ES" smtClean="0"/>
-              <a:t>14/06/2019</a:t>
+              <a:t>17/06/2019</a:t>
             </a:fld>
             <a:endParaRPr lang="es-ES"/>
           </a:p>
@@ -2485,7 +2492,7 @@
           <a:p>
             <a:fld id="{239C3938-9AD9-4AA6-ADCD-F63312CD24D9}" type="datetimeFigureOut">
               <a:rPr lang="es-ES" smtClean="0"/>
-              <a:t>14/06/2019</a:t>
+              <a:t>17/06/2019</a:t>
             </a:fld>
             <a:endParaRPr lang="es-ES"/>
           </a:p>
@@ -2655,7 +2662,7 @@
           <a:p>
             <a:fld id="{239C3938-9AD9-4AA6-ADCD-F63312CD24D9}" type="datetimeFigureOut">
               <a:rPr lang="es-ES" smtClean="0"/>
-              <a:t>14/06/2019</a:t>
+              <a:t>17/06/2019</a:t>
             </a:fld>
             <a:endParaRPr lang="es-ES"/>
           </a:p>
@@ -2835,7 +2842,7 @@
           <a:p>
             <a:fld id="{239C3938-9AD9-4AA6-ADCD-F63312CD24D9}" type="datetimeFigureOut">
               <a:rPr lang="es-ES" smtClean="0"/>
-              <a:t>14/06/2019</a:t>
+              <a:t>17/06/2019</a:t>
             </a:fld>
             <a:endParaRPr lang="es-ES"/>
           </a:p>
@@ -3005,7 +3012,7 @@
           <a:p>
             <a:fld id="{239C3938-9AD9-4AA6-ADCD-F63312CD24D9}" type="datetimeFigureOut">
               <a:rPr lang="es-ES" smtClean="0"/>
-              <a:t>14/06/2019</a:t>
+              <a:t>17/06/2019</a:t>
             </a:fld>
             <a:endParaRPr lang="es-ES"/>
           </a:p>
@@ -3252,7 +3259,7 @@
           <a:p>
             <a:fld id="{239C3938-9AD9-4AA6-ADCD-F63312CD24D9}" type="datetimeFigureOut">
               <a:rPr lang="es-ES" smtClean="0"/>
-              <a:t>14/06/2019</a:t>
+              <a:t>17/06/2019</a:t>
             </a:fld>
             <a:endParaRPr lang="es-ES"/>
           </a:p>
@@ -3484,7 +3491,7 @@
           <a:p>
             <a:fld id="{239C3938-9AD9-4AA6-ADCD-F63312CD24D9}" type="datetimeFigureOut">
               <a:rPr lang="es-ES" smtClean="0"/>
-              <a:t>14/06/2019</a:t>
+              <a:t>17/06/2019</a:t>
             </a:fld>
             <a:endParaRPr lang="es-ES"/>
           </a:p>
@@ -3858,7 +3865,7 @@
           <a:p>
             <a:fld id="{239C3938-9AD9-4AA6-ADCD-F63312CD24D9}" type="datetimeFigureOut">
               <a:rPr lang="es-ES" smtClean="0"/>
-              <a:t>14/06/2019</a:t>
+              <a:t>17/06/2019</a:t>
             </a:fld>
             <a:endParaRPr lang="es-ES"/>
           </a:p>
@@ -3981,7 +3988,7 @@
           <a:p>
             <a:fld id="{239C3938-9AD9-4AA6-ADCD-F63312CD24D9}" type="datetimeFigureOut">
               <a:rPr lang="es-ES" smtClean="0"/>
-              <a:t>14/06/2019</a:t>
+              <a:t>17/06/2019</a:t>
             </a:fld>
             <a:endParaRPr lang="es-ES"/>
           </a:p>
@@ -4076,7 +4083,7 @@
           <a:p>
             <a:fld id="{239C3938-9AD9-4AA6-ADCD-F63312CD24D9}" type="datetimeFigureOut">
               <a:rPr lang="es-ES" smtClean="0"/>
-              <a:t>14/06/2019</a:t>
+              <a:t>17/06/2019</a:t>
             </a:fld>
             <a:endParaRPr lang="es-ES"/>
           </a:p>
@@ -4331,7 +4338,7 @@
           <a:p>
             <a:fld id="{239C3938-9AD9-4AA6-ADCD-F63312CD24D9}" type="datetimeFigureOut">
               <a:rPr lang="es-ES" smtClean="0"/>
-              <a:t>14/06/2019</a:t>
+              <a:t>17/06/2019</a:t>
             </a:fld>
             <a:endParaRPr lang="es-ES"/>
           </a:p>
@@ -4636,7 +4643,7 @@
           <a:p>
             <a:fld id="{239C3938-9AD9-4AA6-ADCD-F63312CD24D9}" type="datetimeFigureOut">
               <a:rPr lang="es-ES" smtClean="0"/>
-              <a:t>14/06/2019</a:t>
+              <a:t>17/06/2019</a:t>
             </a:fld>
             <a:endParaRPr lang="es-ES"/>
           </a:p>
@@ -5338,7 +5345,7 @@
           <a:p>
             <a:fld id="{239C3938-9AD9-4AA6-ADCD-F63312CD24D9}" type="datetimeFigureOut">
               <a:rPr lang="es-ES" smtClean="0"/>
-              <a:t>14/06/2019</a:t>
+              <a:t>17/06/2019</a:t>
             </a:fld>
             <a:endParaRPr lang="es-ES"/>
           </a:p>
@@ -6002,13 +6009,20 @@
             <p:ph type="title"/>
           </p:nvPr>
         </p:nvSpPr>
-        <p:spPr/>
-        <p:txBody>
-          <a:bodyPr/>
-          <a:lstStyle/>
-          <a:p>
-            <a:r>
-              <a:rPr lang="es-ES" dirty="0"/>
+        <p:spPr>
+          <a:xfrm>
+            <a:off x="481263" y="243630"/>
+            <a:ext cx="9833811" cy="1320800"/>
+          </a:xfrm>
+        </p:spPr>
+        <p:txBody>
+          <a:bodyPr>
+            <a:noAutofit/>
+          </a:bodyPr>
+          <a:lstStyle/>
+          <a:p>
+            <a:r>
+              <a:rPr lang="es-ES" sz="4800" dirty="0"/>
               <a:t>Estilo de interfaz de usuario básico</a:t>
             </a:r>
           </a:p>
@@ -6105,11 +6119,13 @@
         </p:nvSpPr>
         <p:spPr/>
         <p:txBody>
-          <a:bodyPr/>
-          <a:lstStyle/>
-          <a:p>
-            <a:r>
-              <a:rPr lang="es-ES" dirty="0"/>
+          <a:bodyPr>
+            <a:normAutofit/>
+          </a:bodyPr>
+          <a:lstStyle/>
+          <a:p>
+            <a:r>
+              <a:rPr lang="es-ES" sz="4800" dirty="0"/>
               <a:t>Dificultades</a:t>
             </a:r>
           </a:p>
@@ -6133,37 +6149,39 @@
         </p:nvSpPr>
         <p:spPr/>
         <p:txBody>
-          <a:bodyPr/>
-          <a:lstStyle/>
-          <a:p>
-            <a:r>
-              <a:rPr lang="es-ES" dirty="0"/>
+          <a:bodyPr>
+            <a:normAutofit/>
+          </a:bodyPr>
+          <a:lstStyle/>
+          <a:p>
+            <a:r>
+              <a:rPr lang="es-ES" sz="2800" dirty="0"/>
               <a:t>Problemas al debuggear con visual studio</a:t>
             </a:r>
           </a:p>
           <a:p>
-            <a:endParaRPr lang="es-ES" dirty="0"/>
-          </a:p>
-          <a:p>
-            <a:r>
-              <a:rPr lang="es-ES" dirty="0"/>
+            <a:endParaRPr lang="es-ES" sz="2800" dirty="0"/>
+          </a:p>
+          <a:p>
+            <a:r>
+              <a:rPr lang="es-ES" sz="2800" dirty="0"/>
               <a:t>Limpiar, Recompilar, Cerrar y Abrir</a:t>
             </a:r>
           </a:p>
           <a:p>
-            <a:endParaRPr lang="es-ES" dirty="0"/>
-          </a:p>
-          <a:p>
-            <a:r>
-              <a:rPr lang="es-ES" dirty="0"/>
+            <a:endParaRPr lang="es-ES" sz="2800" dirty="0"/>
+          </a:p>
+          <a:p>
+            <a:r>
+              <a:rPr lang="es-ES" sz="2800" dirty="0"/>
               <a:t>Tiempo un poco, pero sobre todo ganas</a:t>
             </a:r>
           </a:p>
           <a:p>
-            <a:endParaRPr lang="es-ES" dirty="0"/>
-          </a:p>
-          <a:p>
-            <a:endParaRPr lang="es-ES" dirty="0"/>
+            <a:endParaRPr lang="es-ES" sz="2800" dirty="0"/>
+          </a:p>
+          <a:p>
+            <a:endParaRPr lang="es-ES" sz="2800" dirty="0"/>
           </a:p>
         </p:txBody>
       </p:sp>
@@ -6217,7 +6235,7 @@
         </p:nvSpPr>
         <p:spPr>
           <a:xfrm>
-            <a:off x="267855" y="2817003"/>
+            <a:off x="-654934" y="2825392"/>
             <a:ext cx="9144000" cy="2387600"/>
           </a:xfrm>
         </p:spPr>
@@ -6228,7 +6246,7 @@
           <a:lstStyle/>
           <a:p>
             <a:r>
-              <a:rPr lang="es-ES" sz="16600" dirty="0"/>
+              <a:rPr lang="es-ES" sz="8800" dirty="0"/>
               <a:t>GRACIAS</a:t>
             </a:r>
             <a:br>
@@ -6320,13 +6338,16 @@
         </p:nvSpPr>
         <p:spPr/>
         <p:txBody>
-          <a:bodyPr/>
-          <a:lstStyle/>
-          <a:p>
-            <a:r>
-              <a:rPr lang="es-ES" dirty="0"/>
+          <a:bodyPr>
+            <a:normAutofit/>
+          </a:bodyPr>
+          <a:lstStyle/>
+          <a:p>
+            <a:r>
+              <a:rPr lang="es-ES" sz="4800" dirty="0"/>
               <a:t>FootballTrainingManager</a:t>
             </a:r>
+            <a:endParaRPr lang="es-ES" sz="5400" dirty="0"/>
           </a:p>
         </p:txBody>
       </p:sp>
@@ -6579,178 +6600,154 @@
       </p:grpSpPr>
       <p:sp>
         <p:nvSpPr>
-          <p:cNvPr id="2" name="Título 1"/>
-          <p:cNvSpPr>
-            <a:spLocks noGrp="1"/>
-          </p:cNvSpPr>
-          <p:nvPr>
-            <p:ph type="title"/>
-          </p:nvPr>
-        </p:nvSpPr>
-        <p:spPr/>
-        <p:txBody>
-          <a:bodyPr>
-            <a:normAutofit/>
-          </a:bodyPr>
-          <a:lstStyle/>
-          <a:p>
-            <a:pPr lvl="0"/>
-            <a:r>
-              <a:rPr lang="es-ES" sz="4800" dirty="0"/>
-              <a:t>Metodología en cascada</a:t>
-            </a:r>
-          </a:p>
-        </p:txBody>
-      </p:sp>
-      <p:pic>
-        <p:nvPicPr>
-          <p:cNvPr id="8" name="Imagen 7">
+          <p:cNvPr id="5" name="CuadroTexto 4">
             <a:extLst>
               <a:ext uri="{FF2B5EF4-FFF2-40B4-BE49-F238E27FC236}">
-                <a16:creationId xmlns:a16="http://schemas.microsoft.com/office/drawing/2014/main" id="{DCD9C68D-1DEB-4144-BEAA-125F929A7A9E}"/>
+                <a16:creationId xmlns:a16="http://schemas.microsoft.com/office/drawing/2014/main" id="{CDDB8501-2505-4ED4-92D2-ADC2E032E70F}"/>
               </a:ext>
             </a:extLst>
           </p:cNvPr>
-          <p:cNvPicPr>
-            <a:picLocks noChangeAspect="1"/>
-          </p:cNvPicPr>
+          <p:cNvSpPr txBox="1"/>
           <p:nvPr/>
-        </p:nvPicPr>
-        <p:blipFill rotWithShape="1">
-          <a:blip r:embed="rId2">
-            <a:extLst>
-              <a:ext uri="{28A0092B-C50C-407E-A947-70E740481C1C}">
-                <a14:useLocalDpi xmlns:a14="http://schemas.microsoft.com/office/drawing/2010/main" val="0"/>
-              </a:ext>
-            </a:extLst>
-          </a:blip>
-          <a:srcRect l="1" r="-21047" b="30191"/>
-          <a:stretch/>
-        </p:blipFill>
+        </p:nvSpPr>
         <p:spPr>
           <a:xfrm>
-            <a:off x="979337" y="2031068"/>
-            <a:ext cx="7250263" cy="3161717"/>
+            <a:off x="1668378" y="2515470"/>
+            <a:ext cx="10042358" cy="2308324"/>
           </a:xfrm>
           <a:prstGeom prst="rect">
             <a:avLst/>
           </a:prstGeom>
+          <a:noFill/>
         </p:spPr>
-      </p:pic>
-      <p:sp>
-        <p:nvSpPr>
-          <p:cNvPr id="10" name="Título 1">
+        <p:txBody>
+          <a:bodyPr wrap="square" rtlCol="0">
+            <a:spAutoFit/>
+          </a:bodyPr>
+          <a:lstStyle/>
+          <a:p>
+            <a:pPr marL="457200" indent="-457200" defTabSz="457200">
+              <a:spcBef>
+                <a:spcPct val="0"/>
+              </a:spcBef>
+              <a:buFont typeface="Arial" panose="020B0604020202020204" pitchFamily="34" charset="0"/>
+              <a:buChar char="•"/>
+            </a:pPr>
+            <a:endParaRPr lang="es-ES" sz="2400" dirty="0">
+              <a:solidFill>
+                <a:schemeClr val="bg2">
+                  <a:lumMod val="50000"/>
+                </a:schemeClr>
+              </a:solidFill>
+              <a:latin typeface="Arial" panose="020B0604020202020204" pitchFamily="34" charset="0"/>
+              <a:ea typeface="+mj-ea"/>
+              <a:cs typeface="Arial" panose="020B0604020202020204" pitchFamily="34" charset="0"/>
+            </a:endParaRPr>
+          </a:p>
+          <a:p>
+            <a:pPr marL="457200" indent="-457200" defTabSz="457200">
+              <a:spcBef>
+                <a:spcPct val="0"/>
+              </a:spcBef>
+              <a:buFont typeface="Wingdings" panose="05000000000000000000" pitchFamily="2" charset="2"/>
+              <a:buChar char="Ø"/>
+            </a:pPr>
+            <a:r>
+              <a:rPr lang="es-ES" sz="4000" dirty="0">
+                <a:solidFill>
+                  <a:schemeClr val="bg2">
+                    <a:lumMod val="50000"/>
+                  </a:schemeClr>
+                </a:solidFill>
+                <a:latin typeface="Arial" panose="020B0604020202020204" pitchFamily="34" charset="0"/>
+                <a:ea typeface="+mj-ea"/>
+                <a:cs typeface="Arial" panose="020B0604020202020204" pitchFamily="34" charset="0"/>
+              </a:rPr>
+              <a:t>Desarrollo en cascada</a:t>
+            </a:r>
+          </a:p>
+          <a:p>
+            <a:pPr marL="457200" indent="-457200" defTabSz="457200">
+              <a:spcBef>
+                <a:spcPct val="0"/>
+              </a:spcBef>
+              <a:buFont typeface="Arial" panose="020B0604020202020204" pitchFamily="34" charset="0"/>
+              <a:buChar char="•"/>
+            </a:pPr>
+            <a:endParaRPr lang="es-ES" sz="4000" dirty="0">
+              <a:solidFill>
+                <a:schemeClr val="bg2">
+                  <a:lumMod val="50000"/>
+                </a:schemeClr>
+              </a:solidFill>
+              <a:latin typeface="Arial" panose="020B0604020202020204" pitchFamily="34" charset="0"/>
+              <a:ea typeface="+mj-ea"/>
+              <a:cs typeface="Arial" panose="020B0604020202020204" pitchFamily="34" charset="0"/>
+            </a:endParaRPr>
+          </a:p>
+          <a:p>
+            <a:pPr marL="457200" indent="-457200" defTabSz="457200">
+              <a:spcBef>
+                <a:spcPct val="0"/>
+              </a:spcBef>
+              <a:buFont typeface="Wingdings" panose="05000000000000000000" pitchFamily="2" charset="2"/>
+              <a:buChar char="Ø"/>
+            </a:pPr>
+            <a:r>
+              <a:rPr lang="es-ES" sz="4000" dirty="0">
+                <a:solidFill>
+                  <a:schemeClr val="bg2">
+                    <a:lumMod val="50000"/>
+                  </a:schemeClr>
+                </a:solidFill>
+                <a:latin typeface="Arial" panose="020B0604020202020204" pitchFamily="34" charset="0"/>
+                <a:ea typeface="+mj-ea"/>
+                <a:cs typeface="Arial" panose="020B0604020202020204" pitchFamily="34" charset="0"/>
+              </a:rPr>
+              <a:t>Patrón MVVM</a:t>
+            </a:r>
+          </a:p>
+        </p:txBody>
+      </p:sp>
+      <p:sp>
+        <p:nvSpPr>
+          <p:cNvPr id="6" name="CuadroTexto 5">
             <a:extLst>
               <a:ext uri="{FF2B5EF4-FFF2-40B4-BE49-F238E27FC236}">
-                <a16:creationId xmlns:a16="http://schemas.microsoft.com/office/drawing/2014/main" id="{AA96128A-5B86-4A4B-9EC5-5FC791F089F8}"/>
+                <a16:creationId xmlns:a16="http://schemas.microsoft.com/office/drawing/2014/main" id="{CE445119-2B54-4863-8A32-5B20CE1BECF2}"/>
               </a:ext>
             </a:extLst>
           </p:cNvPr>
-          <p:cNvSpPr txBox="1">
-            <a:spLocks/>
-          </p:cNvSpPr>
+          <p:cNvSpPr txBox="1"/>
           <p:nvPr/>
         </p:nvSpPr>
         <p:spPr>
           <a:xfrm>
-            <a:off x="5612235" y="2130104"/>
-            <a:ext cx="3447875" cy="2963644"/>
+            <a:off x="834190" y="520512"/>
+            <a:ext cx="9737558" cy="1569660"/>
           </a:xfrm>
           <a:prstGeom prst="rect">
             <a:avLst/>
           </a:prstGeom>
+          <a:noFill/>
         </p:spPr>
         <p:txBody>
-          <a:bodyPr vert="horz" lIns="91440" tIns="45720" rIns="91440" bIns="45720" rtlCol="0" anchor="t">
-            <a:normAutofit/>
+          <a:bodyPr wrap="square" rtlCol="0">
+            <a:spAutoFit/>
           </a:bodyPr>
-          <a:lstStyle>
-            <a:lvl1pPr algn="l" defTabSz="457200" rtl="0" eaLnBrk="1" latinLnBrk="0" hangingPunct="1">
-              <a:spcBef>
-                <a:spcPct val="0"/>
-              </a:spcBef>
-              <a:buNone/>
-              <a:defRPr sz="3600" kern="1200">
+          <a:lstStyle/>
+          <a:p>
+            <a:r>
+              <a:rPr lang="es-ES" sz="4800" dirty="0">
                 <a:solidFill>
                   <a:schemeClr val="accent1"/>
                 </a:solidFill>
                 <a:latin typeface="+mj-lt"/>
                 <a:ea typeface="+mj-ea"/>
                 <a:cs typeface="+mj-cs"/>
-              </a:defRPr>
-            </a:lvl1pPr>
-            <a:lvl2pPr eaLnBrk="1" hangingPunct="1">
-              <a:defRPr>
-                <a:solidFill>
-                  <a:schemeClr val="tx2"/>
-                </a:solidFill>
-              </a:defRPr>
-            </a:lvl2pPr>
-            <a:lvl3pPr eaLnBrk="1" hangingPunct="1">
-              <a:defRPr>
-                <a:solidFill>
-                  <a:schemeClr val="tx2"/>
-                </a:solidFill>
-              </a:defRPr>
-            </a:lvl3pPr>
-            <a:lvl4pPr eaLnBrk="1" hangingPunct="1">
-              <a:defRPr>
-                <a:solidFill>
-                  <a:schemeClr val="tx2"/>
-                </a:solidFill>
-              </a:defRPr>
-            </a:lvl4pPr>
-            <a:lvl5pPr eaLnBrk="1" hangingPunct="1">
-              <a:defRPr>
-                <a:solidFill>
-                  <a:schemeClr val="tx2"/>
-                </a:solidFill>
-              </a:defRPr>
-            </a:lvl5pPr>
-            <a:lvl6pPr eaLnBrk="1" hangingPunct="1">
-              <a:defRPr>
-                <a:solidFill>
-                  <a:schemeClr val="tx2"/>
-                </a:solidFill>
-              </a:defRPr>
-            </a:lvl6pPr>
-            <a:lvl7pPr eaLnBrk="1" hangingPunct="1">
-              <a:defRPr>
-                <a:solidFill>
-                  <a:schemeClr val="tx2"/>
-                </a:solidFill>
-              </a:defRPr>
-            </a:lvl7pPr>
-            <a:lvl8pPr eaLnBrk="1" hangingPunct="1">
-              <a:defRPr>
-                <a:solidFill>
-                  <a:schemeClr val="tx2"/>
-                </a:solidFill>
-              </a:defRPr>
-            </a:lvl8pPr>
-            <a:lvl9pPr eaLnBrk="1" hangingPunct="1">
-              <a:defRPr>
-                <a:solidFill>
-                  <a:schemeClr val="tx2"/>
-                </a:solidFill>
-              </a:defRPr>
-            </a:lvl9pPr>
-          </a:lstStyle>
-          <a:p>
-            <a:r>
-              <a:rPr lang="es-ES" sz="2000" dirty="0"/>
-              <a:t>División del proyecto en fases secuenciales.</a:t>
-            </a:r>
-          </a:p>
-          <a:p>
-            <a:endParaRPr lang="es-ES" sz="2000" dirty="0"/>
-          </a:p>
-          <a:p>
-            <a:r>
-              <a:rPr lang="es-ES" sz="2000" dirty="0"/>
-              <a:t>Apoyado en mucha documentación y estudio.</a:t>
-            </a:r>
-            <a:endParaRPr lang="es-ES" sz="3200" dirty="0"/>
+              </a:rPr>
+              <a:t>Proceso de desarrollo y arquitectura</a:t>
+            </a:r>
           </a:p>
         </p:txBody>
       </p:sp>
@@ -6803,7 +6800,7 @@
           <a:p>
             <a:pPr algn="ctr"/>
             <a:r>
-              <a:rPr lang="es-ES" sz="5400" dirty="0"/>
+              <a:rPr lang="es-ES" sz="4800" dirty="0"/>
               <a:t>Arquitectura física</a:t>
             </a:r>
           </a:p>
@@ -6891,13 +6888,20 @@
             <p:ph type="title"/>
           </p:nvPr>
         </p:nvSpPr>
-        <p:spPr/>
-        <p:txBody>
-          <a:bodyPr/>
-          <a:lstStyle/>
-          <a:p>
-            <a:r>
-              <a:rPr lang="es-ES" dirty="0"/>
+        <p:spPr>
+          <a:xfrm>
+            <a:off x="643392" y="528903"/>
+            <a:ext cx="8596668" cy="1320800"/>
+          </a:xfrm>
+        </p:spPr>
+        <p:txBody>
+          <a:bodyPr>
+            <a:normAutofit/>
+          </a:bodyPr>
+          <a:lstStyle/>
+          <a:p>
+            <a:r>
+              <a:rPr lang="es-ES" sz="4800" dirty="0"/>
               <a:t>Tecnologías utilizadas</a:t>
             </a:r>
           </a:p>
@@ -7238,11 +7242,13 @@
         </p:nvSpPr>
         <p:spPr/>
         <p:txBody>
-          <a:bodyPr/>
-          <a:lstStyle/>
-          <a:p>
-            <a:r>
-              <a:rPr lang="es-ES" dirty="0"/>
+          <a:bodyPr>
+            <a:normAutofit/>
+          </a:bodyPr>
+          <a:lstStyle/>
+          <a:p>
+            <a:r>
+              <a:rPr lang="es-ES" sz="4800" dirty="0"/>
               <a:t>Diagrama de contexto básico</a:t>
             </a:r>
           </a:p>
@@ -7332,11 +7338,13 @@
         </p:nvSpPr>
         <p:spPr/>
         <p:txBody>
-          <a:bodyPr/>
-          <a:lstStyle/>
-          <a:p>
-            <a:r>
-              <a:rPr lang="es-ES" dirty="0"/>
+          <a:bodyPr>
+            <a:normAutofit/>
+          </a:bodyPr>
+          <a:lstStyle/>
+          <a:p>
+            <a:r>
+              <a:rPr lang="es-ES" sz="4800" dirty="0"/>
               <a:t>Diagrama físico de datos</a:t>
             </a:r>
           </a:p>
@@ -7459,13 +7467,20 @@
             <p:ph type="title"/>
           </p:nvPr>
         </p:nvSpPr>
-        <p:spPr/>
-        <p:txBody>
-          <a:bodyPr/>
-          <a:lstStyle/>
-          <a:p>
-            <a:r>
-              <a:rPr lang="es-ES" dirty="0"/>
+        <p:spPr>
+          <a:xfrm>
+            <a:off x="677334" y="434807"/>
+            <a:ext cx="8596668" cy="1320800"/>
+          </a:xfrm>
+        </p:spPr>
+        <p:txBody>
+          <a:bodyPr>
+            <a:normAutofit/>
+          </a:bodyPr>
+          <a:lstStyle/>
+          <a:p>
+            <a:r>
+              <a:rPr lang="es-ES" sz="4800" dirty="0"/>
               <a:t>Diagrama de clases general</a:t>
             </a:r>
           </a:p>
